--- a/Codebook for SES reproduction.pptx
+++ b/Codebook for SES reproduction.pptx
@@ -13,17 +13,18 @@
     <p:sldId id="263" r:id="rId7"/>
     <p:sldId id="265" r:id="rId8"/>
     <p:sldId id="266" r:id="rId9"/>
-    <p:sldId id="264" r:id="rId10"/>
-    <p:sldId id="257" r:id="rId11"/>
-    <p:sldId id="258" r:id="rId12"/>
-    <p:sldId id="259" r:id="rId13"/>
-    <p:sldId id="268" r:id="rId14"/>
-    <p:sldId id="269" r:id="rId15"/>
-    <p:sldId id="270" r:id="rId16"/>
-    <p:sldId id="271" r:id="rId17"/>
-    <p:sldId id="273" r:id="rId18"/>
-    <p:sldId id="274" r:id="rId19"/>
-    <p:sldId id="275" r:id="rId20"/>
+    <p:sldId id="276" r:id="rId10"/>
+    <p:sldId id="264" r:id="rId11"/>
+    <p:sldId id="257" r:id="rId12"/>
+    <p:sldId id="258" r:id="rId13"/>
+    <p:sldId id="259" r:id="rId14"/>
+    <p:sldId id="268" r:id="rId15"/>
+    <p:sldId id="269" r:id="rId16"/>
+    <p:sldId id="270" r:id="rId17"/>
+    <p:sldId id="271" r:id="rId18"/>
+    <p:sldId id="273" r:id="rId19"/>
+    <p:sldId id="274" r:id="rId20"/>
+    <p:sldId id="275" r:id="rId21"/>
   </p:sldIdLst>
   <p:sldSz cx="12192000" cy="6858000"/>
   <p:notesSz cx="6858000" cy="9144000"/>
@@ -722,7 +723,7 @@
           <a:p>
             <a:fld id="{CBFCB146-5FC6-4F6B-ACB7-3C35FC5D5177}" type="datetimeFigureOut">
               <a:rPr lang="en-US" smtClean="0"/>
-              <a:t>4/9/2023</a:t>
+              <a:t>5/8/23</a:t>
             </a:fld>
             <a:endParaRPr lang="en-US"/>
           </a:p>
@@ -920,7 +921,7 @@
           <a:p>
             <a:fld id="{CBFCB146-5FC6-4F6B-ACB7-3C35FC5D5177}" type="datetimeFigureOut">
               <a:rPr lang="en-US" smtClean="0"/>
-              <a:t>4/9/2023</a:t>
+              <a:t>5/8/23</a:t>
             </a:fld>
             <a:endParaRPr lang="en-US"/>
           </a:p>
@@ -1128,7 +1129,7 @@
           <a:p>
             <a:fld id="{CBFCB146-5FC6-4F6B-ACB7-3C35FC5D5177}" type="datetimeFigureOut">
               <a:rPr lang="en-US" smtClean="0"/>
-              <a:t>4/9/2023</a:t>
+              <a:t>5/8/23</a:t>
             </a:fld>
             <a:endParaRPr lang="en-US"/>
           </a:p>
@@ -1326,7 +1327,7 @@
           <a:p>
             <a:fld id="{CBFCB146-5FC6-4F6B-ACB7-3C35FC5D5177}" type="datetimeFigureOut">
               <a:rPr lang="en-US" smtClean="0"/>
-              <a:t>4/9/2023</a:t>
+              <a:t>5/8/23</a:t>
             </a:fld>
             <a:endParaRPr lang="en-US"/>
           </a:p>
@@ -1601,7 +1602,7 @@
           <a:p>
             <a:fld id="{CBFCB146-5FC6-4F6B-ACB7-3C35FC5D5177}" type="datetimeFigureOut">
               <a:rPr lang="en-US" smtClean="0"/>
-              <a:t>4/9/2023</a:t>
+              <a:t>5/8/23</a:t>
             </a:fld>
             <a:endParaRPr lang="en-US"/>
           </a:p>
@@ -1866,7 +1867,7 @@
           <a:p>
             <a:fld id="{CBFCB146-5FC6-4F6B-ACB7-3C35FC5D5177}" type="datetimeFigureOut">
               <a:rPr lang="en-US" smtClean="0"/>
-              <a:t>4/9/2023</a:t>
+              <a:t>5/8/23</a:t>
             </a:fld>
             <a:endParaRPr lang="en-US"/>
           </a:p>
@@ -2278,7 +2279,7 @@
           <a:p>
             <a:fld id="{CBFCB146-5FC6-4F6B-ACB7-3C35FC5D5177}" type="datetimeFigureOut">
               <a:rPr lang="en-US" smtClean="0"/>
-              <a:t>4/9/2023</a:t>
+              <a:t>5/8/23</a:t>
             </a:fld>
             <a:endParaRPr lang="en-US"/>
           </a:p>
@@ -2419,7 +2420,7 @@
           <a:p>
             <a:fld id="{CBFCB146-5FC6-4F6B-ACB7-3C35FC5D5177}" type="datetimeFigureOut">
               <a:rPr lang="en-US" smtClean="0"/>
-              <a:t>4/9/2023</a:t>
+              <a:t>5/8/23</a:t>
             </a:fld>
             <a:endParaRPr lang="en-US"/>
           </a:p>
@@ -2532,7 +2533,7 @@
           <a:p>
             <a:fld id="{CBFCB146-5FC6-4F6B-ACB7-3C35FC5D5177}" type="datetimeFigureOut">
               <a:rPr lang="en-US" smtClean="0"/>
-              <a:t>4/9/2023</a:t>
+              <a:t>5/8/23</a:t>
             </a:fld>
             <a:endParaRPr lang="en-US"/>
           </a:p>
@@ -2843,7 +2844,7 @@
           <a:p>
             <a:fld id="{CBFCB146-5FC6-4F6B-ACB7-3C35FC5D5177}" type="datetimeFigureOut">
               <a:rPr lang="en-US" smtClean="0"/>
-              <a:t>4/9/2023</a:t>
+              <a:t>5/8/23</a:t>
             </a:fld>
             <a:endParaRPr lang="en-US"/>
           </a:p>
@@ -3131,7 +3132,7 @@
           <a:p>
             <a:fld id="{CBFCB146-5FC6-4F6B-ACB7-3C35FC5D5177}" type="datetimeFigureOut">
               <a:rPr lang="en-US" smtClean="0"/>
-              <a:t>4/9/2023</a:t>
+              <a:t>5/8/23</a:t>
             </a:fld>
             <a:endParaRPr lang="en-US"/>
           </a:p>
@@ -3372,7 +3373,7 @@
           <a:p>
             <a:fld id="{CBFCB146-5FC6-4F6B-ACB7-3C35FC5D5177}" type="datetimeFigureOut">
               <a:rPr lang="en-US" smtClean="0"/>
-              <a:t>4/9/2023</a:t>
+              <a:t>5/8/23</a:t>
             </a:fld>
             <a:endParaRPr lang="en-US"/>
           </a:p>
@@ -3895,6 +3896,562 @@
           <p:cNvPr id="2" name="Title 1">
             <a:extLst>
               <a:ext uri="{FF2B5EF4-FFF2-40B4-BE49-F238E27FC236}">
+                <a16:creationId xmlns:a16="http://schemas.microsoft.com/office/drawing/2014/main" id="{4A7DCAF2-8C2F-4BAC-D55E-14EA0E856D05}"/>
+              </a:ext>
+            </a:extLst>
+          </p:cNvPr>
+          <p:cNvSpPr>
+            <a:spLocks noGrp="1"/>
+          </p:cNvSpPr>
+          <p:nvPr>
+            <p:ph type="title"/>
+          </p:nvPr>
+        </p:nvSpPr>
+        <p:spPr/>
+        <p:txBody>
+          <a:bodyPr/>
+          <a:lstStyle/>
+          <a:p>
+            <a:r>
+              <a:rPr lang="zh-CN" altLang="en-US" dirty="0"/>
+              <a:t>主观社会经济地位</a:t>
+            </a:r>
+            <a:r>
+              <a:rPr lang="en-US" altLang="zh-CN" dirty="0"/>
+              <a:t>SSS</a:t>
+            </a:r>
+          </a:p>
+        </p:txBody>
+      </p:sp>
+      <p:sp>
+        <p:nvSpPr>
+          <p:cNvPr id="3" name="Content Placeholder 2">
+            <a:extLst>
+              <a:ext uri="{FF2B5EF4-FFF2-40B4-BE49-F238E27FC236}">
+                <a16:creationId xmlns:a16="http://schemas.microsoft.com/office/drawing/2014/main" id="{2DE5A3FA-D0F5-7CE3-4FC0-E6075DC83B1A}"/>
+              </a:ext>
+            </a:extLst>
+          </p:cNvPr>
+          <p:cNvSpPr>
+            <a:spLocks noGrp="1"/>
+          </p:cNvSpPr>
+          <p:nvPr>
+            <p:ph idx="1"/>
+          </p:nvPr>
+        </p:nvSpPr>
+        <p:spPr/>
+        <p:txBody>
+          <a:bodyPr>
+            <a:normAutofit lnSpcReduction="10000"/>
+          </a:bodyPr>
+          <a:lstStyle/>
+          <a:p>
+            <a:r>
+              <a:rPr lang="en-US" altLang="zh-CN" dirty="0"/>
+              <a:t>CFPS: </a:t>
+            </a:r>
+            <a:r>
+              <a:rPr lang="zh-CN" altLang="en-US" dirty="0"/>
+              <a:t>成年人问卷</a:t>
+            </a:r>
+            <a:r>
+              <a:rPr lang="en-US" altLang="zh-CN" dirty="0"/>
+              <a:t> </a:t>
+            </a:r>
+            <a:r>
+              <a:rPr lang="en-US" b="0" i="0" u="none" strike="noStrike" dirty="0">
+                <a:solidFill>
+                  <a:srgbClr val="000000"/>
+                </a:solidFill>
+                <a:effectLst/>
+              </a:rPr>
+              <a:t>Social status in local area [1 = very poor -----5 = very high]</a:t>
+            </a:r>
+          </a:p>
+          <a:p>
+            <a:pPr lvl="1"/>
+            <a:r>
+              <a:rPr lang="zh-CN" altLang="en-US" dirty="0"/>
+              <a:t>成年人</a:t>
+            </a:r>
+            <a:r>
+              <a:rPr lang="en-US" altLang="zh-CN" dirty="0"/>
+              <a:t>:</a:t>
+            </a:r>
+            <a:r>
+              <a:rPr lang="zh-CN" altLang="en-US" dirty="0"/>
+              <a:t>自己的</a:t>
+            </a:r>
+            <a:r>
+              <a:rPr lang="en-US" altLang="zh-CN" dirty="0"/>
+              <a:t>SSS(</a:t>
+            </a:r>
+            <a:r>
+              <a:rPr lang="en-US" altLang="zh-CN" dirty="0" err="1"/>
+              <a:t>sss</a:t>
+            </a:r>
+            <a:r>
+              <a:rPr lang="en-US" altLang="zh-CN" dirty="0"/>
+              <a:t>),</a:t>
+            </a:r>
+            <a:r>
+              <a:rPr lang="zh-CN" altLang="en-US" dirty="0">
+                <a:solidFill>
+                  <a:srgbClr val="FF0000"/>
+                </a:solidFill>
+                <a:highlight>
+                  <a:srgbClr val="FFFF00"/>
+                </a:highlight>
+              </a:rPr>
+              <a:t>部分成年人有父母的</a:t>
+            </a:r>
+            <a:r>
+              <a:rPr lang="en-US" altLang="zh-CN" dirty="0" err="1">
+                <a:solidFill>
+                  <a:srgbClr val="FF0000"/>
+                </a:solidFill>
+                <a:highlight>
+                  <a:srgbClr val="FFFF00"/>
+                </a:highlight>
+              </a:rPr>
+              <a:t>sss</a:t>
+            </a:r>
+            <a:r>
+              <a:rPr lang="en-US" altLang="zh-CN" dirty="0">
+                <a:solidFill>
+                  <a:srgbClr val="FF0000"/>
+                </a:solidFill>
+                <a:highlight>
+                  <a:srgbClr val="FFFF00"/>
+                </a:highlight>
+              </a:rPr>
+              <a:t> (</a:t>
+            </a:r>
+            <a:r>
+              <a:rPr lang="en-US" altLang="zh-CN" dirty="0" err="1">
+                <a:solidFill>
+                  <a:srgbClr val="FF0000"/>
+                </a:solidFill>
+                <a:highlight>
+                  <a:srgbClr val="FFFF00"/>
+                </a:highlight>
+              </a:rPr>
+              <a:t>sss_f</a:t>
+            </a:r>
+            <a:r>
+              <a:rPr lang="en-US" altLang="zh-CN" dirty="0">
+                <a:solidFill>
+                  <a:srgbClr val="FF0000"/>
+                </a:solidFill>
+                <a:highlight>
+                  <a:srgbClr val="FFFF00"/>
+                </a:highlight>
+              </a:rPr>
+              <a:t>, </a:t>
+            </a:r>
+            <a:r>
+              <a:rPr lang="en-US" altLang="zh-CN" dirty="0" err="1">
+                <a:solidFill>
+                  <a:srgbClr val="FF0000"/>
+                </a:solidFill>
+                <a:highlight>
+                  <a:srgbClr val="FFFF00"/>
+                </a:highlight>
+              </a:rPr>
+              <a:t>sss_m</a:t>
+            </a:r>
+            <a:r>
+              <a:rPr lang="en-US" altLang="zh-CN" dirty="0">
+                <a:solidFill>
+                  <a:srgbClr val="FF0000"/>
+                </a:solidFill>
+                <a:highlight>
+                  <a:srgbClr val="FFFF00"/>
+                </a:highlight>
+              </a:rPr>
+              <a:t>)</a:t>
+            </a:r>
+          </a:p>
+          <a:p>
+            <a:pPr lvl="1"/>
+            <a:r>
+              <a:rPr lang="zh-CN" altLang="en-US" dirty="0"/>
+              <a:t>儿童</a:t>
+            </a:r>
+            <a:r>
+              <a:rPr lang="en-US" altLang="zh-CN" dirty="0"/>
+              <a:t>:</a:t>
+            </a:r>
+            <a:r>
+              <a:rPr lang="zh-CN" altLang="en-US" dirty="0"/>
+              <a:t>部分儿童有自己的</a:t>
+            </a:r>
+            <a:r>
+              <a:rPr lang="en-US" altLang="zh-CN" dirty="0"/>
+              <a:t>SSS(</a:t>
+            </a:r>
+            <a:r>
+              <a:rPr lang="zh-CN" altLang="en-US" dirty="0"/>
+              <a:t>有成年人问卷</a:t>
+            </a:r>
+            <a:r>
+              <a:rPr lang="en-US" altLang="zh-CN" dirty="0"/>
+              <a:t>, </a:t>
+            </a:r>
+            <a:r>
+              <a:rPr lang="en-US" altLang="zh-CN" dirty="0" err="1"/>
+              <a:t>sss_c</a:t>
+            </a:r>
+            <a:r>
+              <a:rPr lang="en-US" altLang="zh-CN" dirty="0"/>
+              <a:t>), </a:t>
+            </a:r>
+            <a:r>
+              <a:rPr lang="zh-CN" altLang="en-US" dirty="0"/>
+              <a:t>大部分儿童有父母的</a:t>
+            </a:r>
+            <a:r>
+              <a:rPr lang="en-US" altLang="zh-CN" dirty="0"/>
+              <a:t>SSS (</a:t>
+            </a:r>
+            <a:r>
+              <a:rPr lang="en-US" altLang="zh-CN" dirty="0" err="1"/>
+              <a:t>sss_f</a:t>
+            </a:r>
+            <a:r>
+              <a:rPr lang="en-US" altLang="zh-CN" dirty="0"/>
+              <a:t>, </a:t>
+            </a:r>
+            <a:r>
+              <a:rPr lang="en-US" altLang="zh-CN" dirty="0" err="1"/>
+              <a:t>sss_m</a:t>
+            </a:r>
+            <a:r>
+              <a:rPr lang="en-US" altLang="zh-CN" dirty="0"/>
+              <a:t>)</a:t>
+            </a:r>
+          </a:p>
+          <a:p>
+            <a:r>
+              <a:rPr lang="en-US" altLang="zh-CN" dirty="0"/>
+              <a:t>PSID: </a:t>
+            </a:r>
+            <a:r>
+              <a:rPr lang="zh-CN" altLang="en-US" dirty="0"/>
+              <a:t>只有</a:t>
+            </a:r>
+            <a:r>
+              <a:rPr lang="en-US" altLang="zh-CN" dirty="0"/>
+              <a:t>reference person/spouse</a:t>
+            </a:r>
+            <a:r>
+              <a:rPr lang="zh-CN" altLang="en-US" dirty="0"/>
+              <a:t>有该变量</a:t>
+            </a:r>
+            <a:r>
+              <a:rPr lang="en-US" altLang="zh-CN" dirty="0"/>
+              <a:t>(</a:t>
+            </a:r>
+            <a:r>
+              <a:rPr lang="en-US" altLang="zh-CN" dirty="0" err="1"/>
+              <a:t>sss_rp</a:t>
+            </a:r>
+            <a:r>
+              <a:rPr lang="en-US" altLang="zh-CN" dirty="0"/>
+              <a:t>, </a:t>
+            </a:r>
+            <a:r>
+              <a:rPr lang="en-US" altLang="zh-CN" dirty="0" err="1"/>
+              <a:t>sss_sp</a:t>
+            </a:r>
+            <a:r>
+              <a:rPr lang="en-US" altLang="zh-CN" dirty="0"/>
+              <a:t>)</a:t>
+            </a:r>
+            <a:r>
+              <a:rPr lang="en-US" altLang="zh-CN" sz="2400" dirty="0"/>
+              <a:t> </a:t>
+            </a:r>
+            <a:r>
+              <a:rPr lang="en-US" b="0" i="0" u="none" strike="noStrike" dirty="0">
+                <a:solidFill>
+                  <a:srgbClr val="000000"/>
+                </a:solidFill>
+                <a:effectLst/>
+                <a:latin typeface="Times New Roman" panose="02020603050405020304" pitchFamily="18" charset="0"/>
+              </a:rPr>
+              <a:t>K37. Were (your/Spouse's/Partner's) parents poor when (you were/[she/he] was) growing up, pretty well off or what? [1 = Poor 3 = Average; "it varied” 5 =  Pretty well off 9 = DK; NA; refused 0 = </a:t>
+            </a:r>
+            <a:r>
+              <a:rPr lang="en-US" b="0" i="0" u="none" strike="noStrike" dirty="0" err="1">
+                <a:solidFill>
+                  <a:srgbClr val="000000"/>
+                </a:solidFill>
+                <a:effectLst/>
+                <a:latin typeface="Times New Roman" panose="02020603050405020304" pitchFamily="18" charset="0"/>
+              </a:rPr>
+              <a:t>Inap</a:t>
+            </a:r>
+            <a:r>
+              <a:rPr lang="en-US" b="0" i="0" u="none" strike="noStrike" dirty="0">
+                <a:solidFill>
+                  <a:srgbClr val="000000"/>
+                </a:solidFill>
+                <a:effectLst/>
+                <a:latin typeface="Times New Roman" panose="02020603050405020304" pitchFamily="18" charset="0"/>
+              </a:rPr>
+              <a:t>]</a:t>
+            </a:r>
+            <a:endParaRPr lang="en-US" sz="2200" b="0" i="0" u="none" strike="noStrike" dirty="0">
+              <a:solidFill>
+                <a:srgbClr val="000000"/>
+              </a:solidFill>
+              <a:effectLst/>
+              <a:latin typeface="Times New Roman" panose="02020603050405020304" pitchFamily="18" charset="0"/>
+            </a:endParaRPr>
+          </a:p>
+          <a:p>
+            <a:pPr lvl="1"/>
+            <a:r>
+              <a:rPr lang="zh-CN" altLang="en-US" dirty="0"/>
+              <a:t>成年人</a:t>
+            </a:r>
+            <a:r>
+              <a:rPr lang="en-US" altLang="zh-CN" dirty="0"/>
+              <a:t>: </a:t>
+            </a:r>
+            <a:r>
+              <a:rPr lang="zh-CN" altLang="en-US" dirty="0"/>
+              <a:t>自己的</a:t>
+            </a:r>
+            <a:r>
+              <a:rPr lang="en-US" altLang="zh-CN" dirty="0"/>
+              <a:t>SSS (</a:t>
+            </a:r>
+            <a:r>
+              <a:rPr lang="en-US" altLang="zh-CN" dirty="0" err="1"/>
+              <a:t>sss</a:t>
+            </a:r>
+            <a:r>
+              <a:rPr lang="en-US" altLang="zh-CN" dirty="0"/>
+              <a:t>),</a:t>
+            </a:r>
+            <a:r>
+              <a:rPr lang="zh-CN" altLang="en-US" dirty="0">
+                <a:solidFill>
+                  <a:srgbClr val="FF0000"/>
+                </a:solidFill>
+                <a:highlight>
+                  <a:srgbClr val="FFFF00"/>
+                </a:highlight>
+              </a:rPr>
+              <a:t>部分成年人有父母的</a:t>
+            </a:r>
+            <a:r>
+              <a:rPr lang="en-US" altLang="zh-CN" dirty="0" err="1">
+                <a:solidFill>
+                  <a:srgbClr val="FF0000"/>
+                </a:solidFill>
+                <a:highlight>
+                  <a:srgbClr val="FFFF00"/>
+                </a:highlight>
+              </a:rPr>
+              <a:t>sss</a:t>
+            </a:r>
+            <a:r>
+              <a:rPr lang="en-US" altLang="zh-CN" dirty="0">
+                <a:solidFill>
+                  <a:srgbClr val="FF0000"/>
+                </a:solidFill>
+                <a:highlight>
+                  <a:srgbClr val="FFFF00"/>
+                </a:highlight>
+              </a:rPr>
+              <a:t> (</a:t>
+            </a:r>
+            <a:r>
+              <a:rPr lang="en-US" altLang="zh-CN" dirty="0" err="1">
+                <a:solidFill>
+                  <a:srgbClr val="FF0000"/>
+                </a:solidFill>
+                <a:highlight>
+                  <a:srgbClr val="FFFF00"/>
+                </a:highlight>
+              </a:rPr>
+              <a:t>sss_f</a:t>
+            </a:r>
+            <a:r>
+              <a:rPr lang="en-US" altLang="zh-CN" dirty="0">
+                <a:solidFill>
+                  <a:srgbClr val="FF0000"/>
+                </a:solidFill>
+                <a:highlight>
+                  <a:srgbClr val="FFFF00"/>
+                </a:highlight>
+              </a:rPr>
+              <a:t>, </a:t>
+            </a:r>
+            <a:r>
+              <a:rPr lang="en-US" altLang="zh-CN" dirty="0" err="1">
+                <a:solidFill>
+                  <a:srgbClr val="FF0000"/>
+                </a:solidFill>
+                <a:highlight>
+                  <a:srgbClr val="FFFF00"/>
+                </a:highlight>
+              </a:rPr>
+              <a:t>sss_m</a:t>
+            </a:r>
+            <a:r>
+              <a:rPr lang="en-US" altLang="zh-CN" dirty="0">
+                <a:solidFill>
+                  <a:srgbClr val="FF0000"/>
+                </a:solidFill>
+                <a:highlight>
+                  <a:srgbClr val="FFFF00"/>
+                </a:highlight>
+              </a:rPr>
+              <a:t>)</a:t>
+            </a:r>
+          </a:p>
+          <a:p>
+            <a:pPr lvl="1"/>
+            <a:r>
+              <a:rPr lang="zh-CN" altLang="en-US" dirty="0"/>
+              <a:t>儿童</a:t>
+            </a:r>
+            <a:r>
+              <a:rPr lang="en-US" altLang="zh-CN" dirty="0"/>
+              <a:t>: </a:t>
+            </a:r>
+            <a:r>
+              <a:rPr lang="zh-CN" altLang="en-US" dirty="0"/>
+              <a:t>父母的</a:t>
+            </a:r>
+            <a:r>
+              <a:rPr lang="en-US" altLang="zh-CN" dirty="0"/>
+              <a:t>SSS (</a:t>
+            </a:r>
+            <a:r>
+              <a:rPr lang="en-US" altLang="zh-CN" dirty="0" err="1"/>
+              <a:t>sss_f</a:t>
+            </a:r>
+            <a:r>
+              <a:rPr lang="en-US" altLang="zh-CN" dirty="0"/>
+              <a:t>, </a:t>
+            </a:r>
+            <a:r>
+              <a:rPr lang="en-US" altLang="zh-CN" dirty="0" err="1"/>
+              <a:t>sss_m</a:t>
+            </a:r>
+            <a:r>
+              <a:rPr lang="en-US" altLang="zh-CN" dirty="0"/>
+              <a:t>), </a:t>
+            </a:r>
+            <a:r>
+              <a:rPr lang="zh-CN" altLang="en-US" dirty="0">
+                <a:solidFill>
+                  <a:srgbClr val="FF0000"/>
+                </a:solidFill>
+                <a:highlight>
+                  <a:srgbClr val="FFFF00"/>
+                </a:highlight>
+              </a:rPr>
+              <a:t>部分儿童有自己的</a:t>
+            </a:r>
+            <a:r>
+              <a:rPr lang="en-US" altLang="zh-CN" dirty="0">
+                <a:solidFill>
+                  <a:srgbClr val="FF0000"/>
+                </a:solidFill>
+                <a:highlight>
+                  <a:srgbClr val="FFFF00"/>
+                </a:highlight>
+              </a:rPr>
+              <a:t>SSS(</a:t>
+            </a:r>
+            <a:r>
+              <a:rPr lang="en-US" altLang="zh-CN" dirty="0" err="1">
+                <a:solidFill>
+                  <a:srgbClr val="FF0000"/>
+                </a:solidFill>
+                <a:highlight>
+                  <a:srgbClr val="FFFF00"/>
+                </a:highlight>
+              </a:rPr>
+              <a:t>sss_c</a:t>
+            </a:r>
+            <a:r>
+              <a:rPr lang="en-US" altLang="zh-CN" dirty="0">
+                <a:solidFill>
+                  <a:srgbClr val="FF0000"/>
+                </a:solidFill>
+                <a:highlight>
+                  <a:srgbClr val="FFFF00"/>
+                </a:highlight>
+              </a:rPr>
+              <a:t>) [</a:t>
+            </a:r>
+            <a:r>
+              <a:rPr lang="zh-CN" altLang="en-US" dirty="0">
+                <a:solidFill>
+                  <a:srgbClr val="FF0000"/>
+                </a:solidFill>
+                <a:highlight>
+                  <a:srgbClr val="FFFF00"/>
+                </a:highlight>
+              </a:rPr>
+              <a:t>更正</a:t>
+            </a:r>
+            <a:r>
+              <a:rPr lang="en-US" altLang="zh-CN" dirty="0">
+                <a:solidFill>
+                  <a:srgbClr val="FF0000"/>
+                </a:solidFill>
+                <a:highlight>
+                  <a:srgbClr val="FFFF00"/>
+                </a:highlight>
+              </a:rPr>
+              <a:t>]</a:t>
+            </a:r>
+          </a:p>
+        </p:txBody>
+      </p:sp>
+    </p:spTree>
+    <p:extLst>
+      <p:ext uri="{BB962C8B-B14F-4D97-AF65-F5344CB8AC3E}">
+        <p14:creationId xmlns:p14="http://schemas.microsoft.com/office/powerpoint/2010/main" val="2459232006"/>
+      </p:ext>
+    </p:extLst>
+  </p:cSld>
+  <p:clrMapOvr>
+    <a:masterClrMapping/>
+  </p:clrMapOvr>
+</p:sld>
+</file>
+
+<file path=ppt/slides/slide11.xml><?xml version="1.0" encoding="utf-8"?>
+<p:sld xmlns:a="http://schemas.openxmlformats.org/drawingml/2006/main" xmlns:r="http://schemas.openxmlformats.org/officeDocument/2006/relationships" xmlns:p="http://schemas.openxmlformats.org/presentationml/2006/main">
+  <p:cSld>
+    <p:spTree>
+      <p:nvGrpSpPr>
+        <p:cNvPr id="1" name=""/>
+        <p:cNvGrpSpPr/>
+        <p:nvPr/>
+      </p:nvGrpSpPr>
+      <p:grpSpPr>
+        <a:xfrm>
+          <a:off x="0" y="0"/>
+          <a:ext cx="0" cy="0"/>
+          <a:chOff x="0" y="0"/>
+          <a:chExt cx="0" cy="0"/>
+        </a:xfrm>
+      </p:grpSpPr>
+      <p:sp>
+        <p:nvSpPr>
+          <p:cNvPr id="2" name="Title 1">
+            <a:extLst>
+              <a:ext uri="{FF2B5EF4-FFF2-40B4-BE49-F238E27FC236}">
                 <a16:creationId xmlns:a16="http://schemas.microsoft.com/office/drawing/2014/main" id="{42C1AD72-B1F7-40AA-989B-BBCD16BF0EDF}"/>
               </a:ext>
             </a:extLst>
@@ -4147,7 +4704,7 @@
 </p:sld>
 </file>
 
-<file path=ppt/slides/slide11.xml><?xml version="1.0" encoding="utf-8"?>
+<file path=ppt/slides/slide12.xml><?xml version="1.0" encoding="utf-8"?>
 <p:sld xmlns:a="http://schemas.openxmlformats.org/drawingml/2006/main" xmlns:r="http://schemas.openxmlformats.org/officeDocument/2006/relationships" xmlns:p="http://schemas.openxmlformats.org/presentationml/2006/main">
   <p:cSld>
     <p:spTree>
@@ -4296,7 +4853,7 @@
 </p:sld>
 </file>
 
-<file path=ppt/slides/slide12.xml><?xml version="1.0" encoding="utf-8"?>
+<file path=ppt/slides/slide13.xml><?xml version="1.0" encoding="utf-8"?>
 <p:sld xmlns:a="http://schemas.openxmlformats.org/drawingml/2006/main" xmlns:r="http://schemas.openxmlformats.org/officeDocument/2006/relationships" xmlns:p="http://schemas.openxmlformats.org/presentationml/2006/main">
   <p:cSld>
     <p:spTree>
@@ -4587,7 +5144,7 @@
 </p:sld>
 </file>
 
-<file path=ppt/slides/slide13.xml><?xml version="1.0" encoding="utf-8"?>
+<file path=ppt/slides/slide14.xml><?xml version="1.0" encoding="utf-8"?>
 <p:sld xmlns:a="http://schemas.openxmlformats.org/drawingml/2006/main" xmlns:r="http://schemas.openxmlformats.org/officeDocument/2006/relationships" xmlns:p="http://schemas.openxmlformats.org/presentationml/2006/main">
   <p:cSld>
     <p:spTree>
@@ -4718,7 +5275,7 @@
 </p:sld>
 </file>
 
-<file path=ppt/slides/slide14.xml><?xml version="1.0" encoding="utf-8"?>
+<file path=ppt/slides/slide15.xml><?xml version="1.0" encoding="utf-8"?>
 <p:sld xmlns:a="http://schemas.openxmlformats.org/drawingml/2006/main" xmlns:r="http://schemas.openxmlformats.org/officeDocument/2006/relationships" xmlns:p="http://schemas.openxmlformats.org/presentationml/2006/main">
   <p:cSld>
     <p:spTree>
@@ -5836,7 +6393,7 @@
 </p:sld>
 </file>
 
-<file path=ppt/slides/slide15.xml><?xml version="1.0" encoding="utf-8"?>
+<file path=ppt/slides/slide16.xml><?xml version="1.0" encoding="utf-8"?>
 <p:sld xmlns:a="http://schemas.openxmlformats.org/drawingml/2006/main" xmlns:r="http://schemas.openxmlformats.org/officeDocument/2006/relationships" xmlns:p="http://schemas.openxmlformats.org/presentationml/2006/main">
   <p:cSld>
     <p:spTree>
@@ -6951,7 +7508,7 @@
 </p:sld>
 </file>
 
-<file path=ppt/slides/slide16.xml><?xml version="1.0" encoding="utf-8"?>
+<file path=ppt/slides/slide17.xml><?xml version="1.0" encoding="utf-8"?>
 <p:sld xmlns:a="http://schemas.openxmlformats.org/drawingml/2006/main" xmlns:r="http://schemas.openxmlformats.org/officeDocument/2006/relationships" xmlns:p="http://schemas.openxmlformats.org/presentationml/2006/main">
   <p:cSld>
     <p:spTree>
@@ -8088,7 +8645,7 @@
 </p:sld>
 </file>
 
-<file path=ppt/slides/slide17.xml><?xml version="1.0" encoding="utf-8"?>
+<file path=ppt/slides/slide18.xml><?xml version="1.0" encoding="utf-8"?>
 <p:sld xmlns:a="http://schemas.openxmlformats.org/drawingml/2006/main" xmlns:r="http://schemas.openxmlformats.org/officeDocument/2006/relationships" xmlns:p="http://schemas.openxmlformats.org/presentationml/2006/main">
   <p:cSld>
     <p:spTree>
@@ -9166,7 +9723,7 @@
 </p:sld>
 </file>
 
-<file path=ppt/slides/slide18.xml><?xml version="1.0" encoding="utf-8"?>
+<file path=ppt/slides/slide19.xml><?xml version="1.0" encoding="utf-8"?>
 <p:sld xmlns:a="http://schemas.openxmlformats.org/drawingml/2006/main" xmlns:r="http://schemas.openxmlformats.org/officeDocument/2006/relationships" xmlns:p="http://schemas.openxmlformats.org/presentationml/2006/main">
   <p:cSld>
     <p:spTree>
@@ -10242,7 +10799,274 @@
 </p:sld>
 </file>
 
-<file path=ppt/slides/slide19.xml><?xml version="1.0" encoding="utf-8"?>
+<file path=ppt/slides/slide2.xml><?xml version="1.0" encoding="utf-8"?>
+<p:sld xmlns:a="http://schemas.openxmlformats.org/drawingml/2006/main" xmlns:r="http://schemas.openxmlformats.org/officeDocument/2006/relationships" xmlns:p="http://schemas.openxmlformats.org/presentationml/2006/main">
+  <p:cSld>
+    <p:spTree>
+      <p:nvGrpSpPr>
+        <p:cNvPr id="1" name=""/>
+        <p:cNvGrpSpPr/>
+        <p:nvPr/>
+      </p:nvGrpSpPr>
+      <p:grpSpPr>
+        <a:xfrm>
+          <a:off x="0" y="0"/>
+          <a:ext cx="0" cy="0"/>
+          <a:chOff x="0" y="0"/>
+          <a:chExt cx="0" cy="0"/>
+        </a:xfrm>
+      </p:grpSpPr>
+      <p:sp>
+        <p:nvSpPr>
+          <p:cNvPr id="2" name="Title 1">
+            <a:extLst>
+              <a:ext uri="{FF2B5EF4-FFF2-40B4-BE49-F238E27FC236}">
+                <a16:creationId xmlns:a16="http://schemas.microsoft.com/office/drawing/2014/main" id="{CE1FB8C4-2F6A-D6AB-EB71-45F2627C795A}"/>
+              </a:ext>
+            </a:extLst>
+          </p:cNvPr>
+          <p:cNvSpPr>
+            <a:spLocks noGrp="1"/>
+          </p:cNvSpPr>
+          <p:nvPr>
+            <p:ph type="title"/>
+          </p:nvPr>
+        </p:nvSpPr>
+        <p:spPr/>
+        <p:txBody>
+          <a:bodyPr/>
+          <a:lstStyle/>
+          <a:p>
+            <a:r>
+              <a:rPr lang="en-US" dirty="0"/>
+              <a:t>CFPS</a:t>
+            </a:r>
+            <a:r>
+              <a:rPr lang="zh-CN" altLang="en-US" dirty="0"/>
+              <a:t>和</a:t>
+            </a:r>
+            <a:r>
+              <a:rPr lang="en-US" altLang="zh-CN" dirty="0"/>
+              <a:t>PSID</a:t>
+            </a:r>
+            <a:r>
+              <a:rPr lang="zh-CN" altLang="en-US" dirty="0"/>
+              <a:t>被试群体</a:t>
+            </a:r>
+            <a:endParaRPr lang="en-US" dirty="0"/>
+          </a:p>
+        </p:txBody>
+      </p:sp>
+      <p:sp>
+        <p:nvSpPr>
+          <p:cNvPr id="3" name="Content Placeholder 2">
+            <a:extLst>
+              <a:ext uri="{FF2B5EF4-FFF2-40B4-BE49-F238E27FC236}">
+                <a16:creationId xmlns:a16="http://schemas.microsoft.com/office/drawing/2014/main" id="{5C4B1152-1167-7E51-D82E-49DEEAF49DAA}"/>
+              </a:ext>
+            </a:extLst>
+          </p:cNvPr>
+          <p:cNvSpPr>
+            <a:spLocks noGrp="1"/>
+          </p:cNvSpPr>
+          <p:nvPr>
+            <p:ph idx="1"/>
+          </p:nvPr>
+        </p:nvSpPr>
+        <p:spPr>
+          <a:xfrm>
+            <a:off x="838200" y="1825624"/>
+            <a:ext cx="10515600" cy="5032375"/>
+          </a:xfrm>
+        </p:spPr>
+        <p:txBody>
+          <a:bodyPr>
+            <a:normAutofit/>
+          </a:bodyPr>
+          <a:lstStyle/>
+          <a:p>
+            <a:r>
+              <a:rPr lang="en-US" dirty="0"/>
+              <a:t>CFPS</a:t>
+            </a:r>
+            <a:r>
+              <a:rPr lang="zh-CN" altLang="en-US" dirty="0"/>
+              <a:t>和</a:t>
+            </a:r>
+            <a:r>
+              <a:rPr lang="en-US" altLang="zh-CN" dirty="0"/>
+              <a:t>PSID</a:t>
+            </a:r>
+            <a:r>
+              <a:rPr lang="zh-CN" altLang="en-US" dirty="0"/>
+              <a:t>均以家庭为单位，在同一家庭中，可能调查不只一代（甚至两代）人的信息，而不同的人群（如儿童</a:t>
+            </a:r>
+            <a:r>
+              <a:rPr lang="en-US" altLang="zh-CN" dirty="0"/>
+              <a:t>/</a:t>
+            </a:r>
+            <a:r>
+              <a:rPr lang="zh-CN" altLang="en-US" dirty="0"/>
+              <a:t>成年人），调查的题目也是不同的</a:t>
+            </a:r>
+            <a:endParaRPr lang="en-US" altLang="zh-CN" dirty="0"/>
+          </a:p>
+          <a:p>
+            <a:r>
+              <a:rPr lang="zh-CN" altLang="en-US" dirty="0"/>
+              <a:t>对于被试的</a:t>
+            </a:r>
+            <a:r>
+              <a:rPr lang="en-US" altLang="zh-CN" dirty="0"/>
+              <a:t>SES</a:t>
+            </a:r>
+            <a:r>
+              <a:rPr lang="zh-CN" altLang="en-US" dirty="0"/>
+              <a:t>信息，可能有不同的来源</a:t>
+            </a:r>
+            <a:endParaRPr lang="en-US" altLang="zh-CN" dirty="0"/>
+          </a:p>
+          <a:p>
+            <a:r>
+              <a:rPr lang="en-US" altLang="zh-CN" dirty="0"/>
+              <a:t>CFPS:</a:t>
+            </a:r>
+          </a:p>
+          <a:p>
+            <a:pPr lvl="1"/>
+            <a:r>
+              <a:rPr lang="zh-CN" altLang="en-US" dirty="0"/>
+              <a:t>对于成年人：成年人问卷条目；家庭问卷条目</a:t>
+            </a:r>
+            <a:endParaRPr lang="en-US" altLang="zh-CN" dirty="0"/>
+          </a:p>
+          <a:p>
+            <a:pPr lvl="1"/>
+            <a:r>
+              <a:rPr lang="zh-CN" altLang="en-US" dirty="0"/>
+              <a:t>对于未成年人：儿童问卷条目；家庭问卷条目；父母的成年人问卷条目</a:t>
+            </a:r>
+            <a:r>
+              <a:rPr lang="en-US" altLang="zh-CN" dirty="0">
+                <a:sym typeface="Wingdings" panose="05000000000000000000" pitchFamily="2" charset="2"/>
+              </a:rPr>
+              <a:t></a:t>
+            </a:r>
+            <a:r>
+              <a:rPr lang="zh-CN" altLang="en-US" dirty="0">
+                <a:sym typeface="Wingdings" panose="05000000000000000000" pitchFamily="2" charset="2"/>
+              </a:rPr>
+              <a:t>因此儿童的父母</a:t>
+            </a:r>
+            <a:r>
+              <a:rPr lang="en-US" altLang="zh-CN" dirty="0">
+                <a:sym typeface="Wingdings" panose="05000000000000000000" pitchFamily="2" charset="2"/>
+              </a:rPr>
+              <a:t>SES</a:t>
+            </a:r>
+            <a:r>
+              <a:rPr lang="zh-CN" altLang="en-US" dirty="0">
+                <a:sym typeface="Wingdings" panose="05000000000000000000" pitchFamily="2" charset="2"/>
+              </a:rPr>
+              <a:t>信息会更加完整</a:t>
+            </a:r>
+            <a:endParaRPr lang="en-US" altLang="zh-CN" dirty="0">
+              <a:sym typeface="Wingdings" panose="05000000000000000000" pitchFamily="2" charset="2"/>
+            </a:endParaRPr>
+          </a:p>
+          <a:p>
+            <a:r>
+              <a:rPr lang="en-US" altLang="zh-CN" dirty="0">
+                <a:sym typeface="Wingdings" panose="05000000000000000000" pitchFamily="2" charset="2"/>
+              </a:rPr>
+              <a:t>*</a:t>
+            </a:r>
+            <a:r>
+              <a:rPr lang="zh-CN" altLang="en-US" dirty="0">
+                <a:sym typeface="Wingdings" panose="05000000000000000000" pitchFamily="2" charset="2"/>
+              </a:rPr>
+              <a:t>由于我们将儿童设置为</a:t>
+            </a:r>
+            <a:r>
+              <a:rPr lang="en-US" altLang="zh-CN" dirty="0">
+                <a:sym typeface="Wingdings" panose="05000000000000000000" pitchFamily="2" charset="2"/>
+              </a:rPr>
+              <a:t>10-22</a:t>
+            </a:r>
+            <a:r>
+              <a:rPr lang="zh-CN" altLang="en-US" dirty="0">
+                <a:sym typeface="Wingdings" panose="05000000000000000000" pitchFamily="2" charset="2"/>
+              </a:rPr>
+              <a:t>岁</a:t>
+            </a:r>
+            <a:r>
+              <a:rPr lang="en-US" altLang="zh-CN" dirty="0">
+                <a:sym typeface="Wingdings" panose="05000000000000000000" pitchFamily="2" charset="2"/>
+              </a:rPr>
+              <a:t>,</a:t>
+            </a:r>
+            <a:r>
+              <a:rPr lang="zh-CN" altLang="en-US" dirty="0">
+                <a:sym typeface="Wingdings" panose="05000000000000000000" pitchFamily="2" charset="2"/>
+              </a:rPr>
+              <a:t>和</a:t>
+            </a:r>
+            <a:r>
+              <a:rPr lang="en-US" altLang="zh-CN" dirty="0">
+                <a:sym typeface="Wingdings" panose="05000000000000000000" pitchFamily="2" charset="2"/>
+              </a:rPr>
+              <a:t>CFPS</a:t>
+            </a:r>
+            <a:r>
+              <a:rPr lang="zh-CN" altLang="en-US" dirty="0">
+                <a:sym typeface="Wingdings" panose="05000000000000000000" pitchFamily="2" charset="2"/>
+              </a:rPr>
+              <a:t>中</a:t>
+            </a:r>
+            <a:r>
+              <a:rPr lang="en-US" altLang="zh-CN" dirty="0">
+                <a:sym typeface="Wingdings" panose="05000000000000000000" pitchFamily="2" charset="2"/>
+              </a:rPr>
+              <a:t>10-15</a:t>
+            </a:r>
+            <a:r>
+              <a:rPr lang="zh-CN" altLang="en-US" dirty="0">
+                <a:sym typeface="Wingdings" panose="05000000000000000000" pitchFamily="2" charset="2"/>
+              </a:rPr>
+              <a:t>岁的儿童问卷施测年龄不同</a:t>
+            </a:r>
+            <a:r>
+              <a:rPr lang="en-US" altLang="zh-CN" dirty="0">
+                <a:sym typeface="Wingdings" panose="05000000000000000000" pitchFamily="2" charset="2"/>
+              </a:rPr>
+              <a:t>,</a:t>
+            </a:r>
+            <a:r>
+              <a:rPr lang="zh-CN" altLang="en-US" dirty="0">
+                <a:sym typeface="Wingdings" panose="05000000000000000000" pitchFamily="2" charset="2"/>
+              </a:rPr>
+              <a:t>因此部分儿童也有成年人问卷条目</a:t>
+            </a:r>
+            <a:endParaRPr lang="en-US" altLang="zh-CN" dirty="0">
+              <a:sym typeface="Wingdings" panose="05000000000000000000" pitchFamily="2" charset="2"/>
+            </a:endParaRPr>
+          </a:p>
+        </p:txBody>
+      </p:sp>
+    </p:spTree>
+    <p:extLst>
+      <p:ext uri="{BB962C8B-B14F-4D97-AF65-F5344CB8AC3E}">
+        <p14:creationId xmlns:p14="http://schemas.microsoft.com/office/powerpoint/2010/main" val="1305858131"/>
+      </p:ext>
+    </p:extLst>
+  </p:cSld>
+  <p:clrMapOvr>
+    <a:masterClrMapping/>
+  </p:clrMapOvr>
+</p:sld>
+</file>
+
+<file path=ppt/slides/slide20.xml><?xml version="1.0" encoding="utf-8"?>
 <p:sld xmlns:a="http://schemas.openxmlformats.org/drawingml/2006/main" xmlns:r="http://schemas.openxmlformats.org/officeDocument/2006/relationships" xmlns:p="http://schemas.openxmlformats.org/presentationml/2006/main">
   <p:cSld>
     <p:spTree>
@@ -11332,273 +12156,6 @@
     <p:extLst>
       <p:ext uri="{BB962C8B-B14F-4D97-AF65-F5344CB8AC3E}">
         <p14:creationId xmlns:p14="http://schemas.microsoft.com/office/powerpoint/2010/main" val="3380878184"/>
-      </p:ext>
-    </p:extLst>
-  </p:cSld>
-  <p:clrMapOvr>
-    <a:masterClrMapping/>
-  </p:clrMapOvr>
-</p:sld>
-</file>
-
-<file path=ppt/slides/slide2.xml><?xml version="1.0" encoding="utf-8"?>
-<p:sld xmlns:a="http://schemas.openxmlformats.org/drawingml/2006/main" xmlns:r="http://schemas.openxmlformats.org/officeDocument/2006/relationships" xmlns:p="http://schemas.openxmlformats.org/presentationml/2006/main">
-  <p:cSld>
-    <p:spTree>
-      <p:nvGrpSpPr>
-        <p:cNvPr id="1" name=""/>
-        <p:cNvGrpSpPr/>
-        <p:nvPr/>
-      </p:nvGrpSpPr>
-      <p:grpSpPr>
-        <a:xfrm>
-          <a:off x="0" y="0"/>
-          <a:ext cx="0" cy="0"/>
-          <a:chOff x="0" y="0"/>
-          <a:chExt cx="0" cy="0"/>
-        </a:xfrm>
-      </p:grpSpPr>
-      <p:sp>
-        <p:nvSpPr>
-          <p:cNvPr id="2" name="Title 1">
-            <a:extLst>
-              <a:ext uri="{FF2B5EF4-FFF2-40B4-BE49-F238E27FC236}">
-                <a16:creationId xmlns:a16="http://schemas.microsoft.com/office/drawing/2014/main" id="{CE1FB8C4-2F6A-D6AB-EB71-45F2627C795A}"/>
-              </a:ext>
-            </a:extLst>
-          </p:cNvPr>
-          <p:cNvSpPr>
-            <a:spLocks noGrp="1"/>
-          </p:cNvSpPr>
-          <p:nvPr>
-            <p:ph type="title"/>
-          </p:nvPr>
-        </p:nvSpPr>
-        <p:spPr/>
-        <p:txBody>
-          <a:bodyPr/>
-          <a:lstStyle/>
-          <a:p>
-            <a:r>
-              <a:rPr lang="en-US" dirty="0"/>
-              <a:t>CFPS</a:t>
-            </a:r>
-            <a:r>
-              <a:rPr lang="zh-CN" altLang="en-US" dirty="0"/>
-              <a:t>和</a:t>
-            </a:r>
-            <a:r>
-              <a:rPr lang="en-US" altLang="zh-CN" dirty="0"/>
-              <a:t>PSID</a:t>
-            </a:r>
-            <a:r>
-              <a:rPr lang="zh-CN" altLang="en-US" dirty="0"/>
-              <a:t>被试群体</a:t>
-            </a:r>
-            <a:endParaRPr lang="en-US" dirty="0"/>
-          </a:p>
-        </p:txBody>
-      </p:sp>
-      <p:sp>
-        <p:nvSpPr>
-          <p:cNvPr id="3" name="Content Placeholder 2">
-            <a:extLst>
-              <a:ext uri="{FF2B5EF4-FFF2-40B4-BE49-F238E27FC236}">
-                <a16:creationId xmlns:a16="http://schemas.microsoft.com/office/drawing/2014/main" id="{5C4B1152-1167-7E51-D82E-49DEEAF49DAA}"/>
-              </a:ext>
-            </a:extLst>
-          </p:cNvPr>
-          <p:cNvSpPr>
-            <a:spLocks noGrp="1"/>
-          </p:cNvSpPr>
-          <p:nvPr>
-            <p:ph idx="1"/>
-          </p:nvPr>
-        </p:nvSpPr>
-        <p:spPr>
-          <a:xfrm>
-            <a:off x="838200" y="1825624"/>
-            <a:ext cx="10515600" cy="5032375"/>
-          </a:xfrm>
-        </p:spPr>
-        <p:txBody>
-          <a:bodyPr>
-            <a:normAutofit/>
-          </a:bodyPr>
-          <a:lstStyle/>
-          <a:p>
-            <a:r>
-              <a:rPr lang="en-US" dirty="0"/>
-              <a:t>CFPS</a:t>
-            </a:r>
-            <a:r>
-              <a:rPr lang="zh-CN" altLang="en-US" dirty="0"/>
-              <a:t>和</a:t>
-            </a:r>
-            <a:r>
-              <a:rPr lang="en-US" altLang="zh-CN" dirty="0"/>
-              <a:t>PSID</a:t>
-            </a:r>
-            <a:r>
-              <a:rPr lang="zh-CN" altLang="en-US" dirty="0"/>
-              <a:t>均以家庭为单位，在同一家庭中，可能调查不只一代（甚至两代）人的信息，而不同的人群（如儿童</a:t>
-            </a:r>
-            <a:r>
-              <a:rPr lang="en-US" altLang="zh-CN" dirty="0"/>
-              <a:t>/</a:t>
-            </a:r>
-            <a:r>
-              <a:rPr lang="zh-CN" altLang="en-US" dirty="0"/>
-              <a:t>成年人），调查的题目也是不同的</a:t>
-            </a:r>
-            <a:endParaRPr lang="en-US" altLang="zh-CN" dirty="0"/>
-          </a:p>
-          <a:p>
-            <a:r>
-              <a:rPr lang="zh-CN" altLang="en-US" dirty="0"/>
-              <a:t>对于被试的</a:t>
-            </a:r>
-            <a:r>
-              <a:rPr lang="en-US" altLang="zh-CN" dirty="0"/>
-              <a:t>SES</a:t>
-            </a:r>
-            <a:r>
-              <a:rPr lang="zh-CN" altLang="en-US" dirty="0"/>
-              <a:t>信息，可能有不同的来源</a:t>
-            </a:r>
-            <a:endParaRPr lang="en-US" altLang="zh-CN" dirty="0"/>
-          </a:p>
-          <a:p>
-            <a:r>
-              <a:rPr lang="en-US" altLang="zh-CN" dirty="0"/>
-              <a:t>CFPS:</a:t>
-            </a:r>
-          </a:p>
-          <a:p>
-            <a:pPr lvl="1"/>
-            <a:r>
-              <a:rPr lang="zh-CN" altLang="en-US" dirty="0"/>
-              <a:t>对于成年人：成年人问卷条目；家庭问卷条目</a:t>
-            </a:r>
-            <a:endParaRPr lang="en-US" altLang="zh-CN" dirty="0"/>
-          </a:p>
-          <a:p>
-            <a:pPr lvl="1"/>
-            <a:r>
-              <a:rPr lang="zh-CN" altLang="en-US" dirty="0"/>
-              <a:t>对于未成年人：儿童问卷条目；家庭问卷条目；父母的成年人问卷条目</a:t>
-            </a:r>
-            <a:r>
-              <a:rPr lang="en-US" altLang="zh-CN" dirty="0">
-                <a:sym typeface="Wingdings" panose="05000000000000000000" pitchFamily="2" charset="2"/>
-              </a:rPr>
-              <a:t></a:t>
-            </a:r>
-            <a:r>
-              <a:rPr lang="zh-CN" altLang="en-US" dirty="0">
-                <a:sym typeface="Wingdings" panose="05000000000000000000" pitchFamily="2" charset="2"/>
-              </a:rPr>
-              <a:t>因此儿童的父母</a:t>
-            </a:r>
-            <a:r>
-              <a:rPr lang="en-US" altLang="zh-CN" dirty="0">
-                <a:sym typeface="Wingdings" panose="05000000000000000000" pitchFamily="2" charset="2"/>
-              </a:rPr>
-              <a:t>SES</a:t>
-            </a:r>
-            <a:r>
-              <a:rPr lang="zh-CN" altLang="en-US" dirty="0">
-                <a:sym typeface="Wingdings" panose="05000000000000000000" pitchFamily="2" charset="2"/>
-              </a:rPr>
-              <a:t>信息会更加完整</a:t>
-            </a:r>
-            <a:endParaRPr lang="en-US" altLang="zh-CN" dirty="0">
-              <a:sym typeface="Wingdings" panose="05000000000000000000" pitchFamily="2" charset="2"/>
-            </a:endParaRPr>
-          </a:p>
-          <a:p>
-            <a:r>
-              <a:rPr lang="en-US" altLang="zh-CN" dirty="0">
-                <a:sym typeface="Wingdings" panose="05000000000000000000" pitchFamily="2" charset="2"/>
-              </a:rPr>
-              <a:t>*</a:t>
-            </a:r>
-            <a:r>
-              <a:rPr lang="zh-CN" altLang="en-US" dirty="0">
-                <a:sym typeface="Wingdings" panose="05000000000000000000" pitchFamily="2" charset="2"/>
-              </a:rPr>
-              <a:t>由于我们将儿童设置为</a:t>
-            </a:r>
-            <a:r>
-              <a:rPr lang="en-US" altLang="zh-CN" dirty="0">
-                <a:sym typeface="Wingdings" panose="05000000000000000000" pitchFamily="2" charset="2"/>
-              </a:rPr>
-              <a:t>10-22</a:t>
-            </a:r>
-            <a:r>
-              <a:rPr lang="zh-CN" altLang="en-US" dirty="0">
-                <a:sym typeface="Wingdings" panose="05000000000000000000" pitchFamily="2" charset="2"/>
-              </a:rPr>
-              <a:t>岁</a:t>
-            </a:r>
-            <a:r>
-              <a:rPr lang="en-US" altLang="zh-CN" dirty="0">
-                <a:sym typeface="Wingdings" panose="05000000000000000000" pitchFamily="2" charset="2"/>
-              </a:rPr>
-              <a:t>,</a:t>
-            </a:r>
-            <a:r>
-              <a:rPr lang="zh-CN" altLang="en-US" dirty="0">
-                <a:sym typeface="Wingdings" panose="05000000000000000000" pitchFamily="2" charset="2"/>
-              </a:rPr>
-              <a:t>和</a:t>
-            </a:r>
-            <a:r>
-              <a:rPr lang="en-US" altLang="zh-CN" dirty="0">
-                <a:sym typeface="Wingdings" panose="05000000000000000000" pitchFamily="2" charset="2"/>
-              </a:rPr>
-              <a:t>CFPS</a:t>
-            </a:r>
-            <a:r>
-              <a:rPr lang="zh-CN" altLang="en-US" dirty="0">
-                <a:sym typeface="Wingdings" panose="05000000000000000000" pitchFamily="2" charset="2"/>
-              </a:rPr>
-              <a:t>中</a:t>
-            </a:r>
-            <a:r>
-              <a:rPr lang="en-US" altLang="zh-CN" dirty="0">
-                <a:sym typeface="Wingdings" panose="05000000000000000000" pitchFamily="2" charset="2"/>
-              </a:rPr>
-              <a:t>10-15</a:t>
-            </a:r>
-            <a:r>
-              <a:rPr lang="zh-CN" altLang="en-US" dirty="0">
-                <a:sym typeface="Wingdings" panose="05000000000000000000" pitchFamily="2" charset="2"/>
-              </a:rPr>
-              <a:t>岁的儿童问卷施测年龄不同</a:t>
-            </a:r>
-            <a:r>
-              <a:rPr lang="en-US" altLang="zh-CN" dirty="0">
-                <a:sym typeface="Wingdings" panose="05000000000000000000" pitchFamily="2" charset="2"/>
-              </a:rPr>
-              <a:t>,</a:t>
-            </a:r>
-            <a:r>
-              <a:rPr lang="zh-CN" altLang="en-US" dirty="0">
-                <a:sym typeface="Wingdings" panose="05000000000000000000" pitchFamily="2" charset="2"/>
-              </a:rPr>
-              <a:t>因此部分儿童也有成年人问卷条目</a:t>
-            </a:r>
-            <a:endParaRPr lang="en-US" altLang="zh-CN" dirty="0">
-              <a:sym typeface="Wingdings" panose="05000000000000000000" pitchFamily="2" charset="2"/>
-            </a:endParaRPr>
-          </a:p>
-        </p:txBody>
-      </p:sp>
-    </p:spTree>
-    <p:extLst>
-      <p:ext uri="{BB962C8B-B14F-4D97-AF65-F5344CB8AC3E}">
-        <p14:creationId xmlns:p14="http://schemas.microsoft.com/office/powerpoint/2010/main" val="1305858131"/>
       </p:ext>
     </p:extLst>
   </p:cSld>
@@ -14060,7 +14617,7 @@
           <p:cNvPr id="2" name="Title 1">
             <a:extLst>
               <a:ext uri="{FF2B5EF4-FFF2-40B4-BE49-F238E27FC236}">
-                <a16:creationId xmlns:a16="http://schemas.microsoft.com/office/drawing/2014/main" id="{4A7DCAF2-8C2F-4BAC-D55E-14EA0E856D05}"/>
+                <a16:creationId xmlns:a16="http://schemas.microsoft.com/office/drawing/2014/main" id="{557AED41-7CDA-1691-6518-7F272EB95D2E}"/>
               </a:ext>
             </a:extLst>
           </p:cNvPr>
@@ -14076,14 +14633,7 @@
           <a:bodyPr/>
           <a:lstStyle/>
           <a:p>
-            <a:r>
-              <a:rPr lang="zh-CN" altLang="en-US" dirty="0"/>
-              <a:t>主观社会经济地位</a:t>
-            </a:r>
-            <a:r>
-              <a:rPr lang="en-US" altLang="zh-CN" dirty="0"/>
-              <a:t>SSS</a:t>
-            </a:r>
+            <a:endParaRPr lang="en-CN"/>
           </a:p>
         </p:txBody>
       </p:sp>
@@ -14092,7 +14642,7 @@
           <p:cNvPr id="3" name="Content Placeholder 2">
             <a:extLst>
               <a:ext uri="{FF2B5EF4-FFF2-40B4-BE49-F238E27FC236}">
-                <a16:creationId xmlns:a16="http://schemas.microsoft.com/office/drawing/2014/main" id="{2DE5A3FA-D0F5-7CE3-4FC0-E6075DC83B1A}"/>
+                <a16:creationId xmlns:a16="http://schemas.microsoft.com/office/drawing/2014/main" id="{EF1A03A0-C087-D9F7-B2AA-51C40DF2E6F3}"/>
               </a:ext>
             </a:extLst>
           </p:cNvPr>
@@ -14105,486 +14655,47 @@
         </p:nvSpPr>
         <p:spPr/>
         <p:txBody>
-          <a:bodyPr>
-            <a:normAutofit lnSpcReduction="10000"/>
-          </a:bodyPr>
+          <a:bodyPr/>
           <a:lstStyle/>
           <a:p>
-            <a:r>
-              <a:rPr lang="en-US" altLang="zh-CN" dirty="0"/>
-              <a:t>CFPS: </a:t>
-            </a:r>
-            <a:r>
-              <a:rPr lang="zh-CN" altLang="en-US" dirty="0"/>
-              <a:t>成年人问卷</a:t>
-            </a:r>
-            <a:r>
-              <a:rPr lang="en-US" altLang="zh-CN" dirty="0"/>
-              <a:t> </a:t>
-            </a:r>
-            <a:r>
-              <a:rPr lang="en-US" b="0" i="0" u="none" strike="noStrike" dirty="0">
-                <a:solidFill>
-                  <a:srgbClr val="000000"/>
-                </a:solidFill>
-                <a:effectLst/>
-              </a:rPr>
-              <a:t>Social status in local area [1 = very poor -----5 = very high]</a:t>
-            </a:r>
-          </a:p>
-          <a:p>
-            <a:pPr lvl="1"/>
-            <a:r>
-              <a:rPr lang="zh-CN" altLang="en-US" dirty="0"/>
-              <a:t>成年人</a:t>
-            </a:r>
-            <a:r>
-              <a:rPr lang="en-US" altLang="zh-CN" dirty="0"/>
-              <a:t>:</a:t>
-            </a:r>
-            <a:r>
-              <a:rPr lang="zh-CN" altLang="en-US" dirty="0"/>
-              <a:t>自己的</a:t>
-            </a:r>
-            <a:r>
-              <a:rPr lang="en-US" altLang="zh-CN" dirty="0"/>
-              <a:t>SSS(</a:t>
-            </a:r>
-            <a:r>
-              <a:rPr lang="en-US" altLang="zh-CN" dirty="0" err="1"/>
-              <a:t>sss</a:t>
-            </a:r>
-            <a:r>
-              <a:rPr lang="en-US" altLang="zh-CN" dirty="0"/>
-              <a:t>),</a:t>
-            </a:r>
-            <a:r>
-              <a:rPr lang="zh-CN" altLang="en-US" dirty="0">
-                <a:solidFill>
-                  <a:srgbClr val="FF0000"/>
-                </a:solidFill>
-                <a:highlight>
-                  <a:srgbClr val="FFFF00"/>
-                </a:highlight>
-              </a:rPr>
-              <a:t>部分成年人有父母的</a:t>
-            </a:r>
-            <a:r>
-              <a:rPr lang="en-US" altLang="zh-CN" dirty="0" err="1">
-                <a:solidFill>
-                  <a:srgbClr val="FF0000"/>
-                </a:solidFill>
-                <a:highlight>
-                  <a:srgbClr val="FFFF00"/>
-                </a:highlight>
-              </a:rPr>
-              <a:t>sss</a:t>
-            </a:r>
-            <a:r>
-              <a:rPr lang="en-US" altLang="zh-CN" dirty="0">
-                <a:solidFill>
-                  <a:srgbClr val="FF0000"/>
-                </a:solidFill>
-                <a:highlight>
-                  <a:srgbClr val="FFFF00"/>
-                </a:highlight>
-              </a:rPr>
-              <a:t> (</a:t>
-            </a:r>
-            <a:r>
-              <a:rPr lang="en-US" altLang="zh-CN" dirty="0" err="1">
-                <a:solidFill>
-                  <a:srgbClr val="FF0000"/>
-                </a:solidFill>
-                <a:highlight>
-                  <a:srgbClr val="FFFF00"/>
-                </a:highlight>
-              </a:rPr>
-              <a:t>sss_f</a:t>
-            </a:r>
-            <a:r>
-              <a:rPr lang="en-US" altLang="zh-CN" dirty="0">
-                <a:solidFill>
-                  <a:srgbClr val="FF0000"/>
-                </a:solidFill>
-                <a:highlight>
-                  <a:srgbClr val="FFFF00"/>
-                </a:highlight>
-              </a:rPr>
-              <a:t>, </a:t>
-            </a:r>
-            <a:r>
-              <a:rPr lang="en-US" altLang="zh-CN" dirty="0" err="1">
-                <a:solidFill>
-                  <a:srgbClr val="FF0000"/>
-                </a:solidFill>
-                <a:highlight>
-                  <a:srgbClr val="FFFF00"/>
-                </a:highlight>
-              </a:rPr>
-              <a:t>sss_m</a:t>
-            </a:r>
-            <a:r>
-              <a:rPr lang="en-US" altLang="zh-CN" dirty="0">
-                <a:solidFill>
-                  <a:srgbClr val="FF0000"/>
-                </a:solidFill>
-                <a:highlight>
-                  <a:srgbClr val="FFFF00"/>
-                </a:highlight>
-              </a:rPr>
-              <a:t>)</a:t>
-            </a:r>
-          </a:p>
-          <a:p>
-            <a:pPr lvl="1"/>
-            <a:r>
-              <a:rPr lang="zh-CN" altLang="en-US" dirty="0"/>
-              <a:t>儿童</a:t>
-            </a:r>
-            <a:r>
-              <a:rPr lang="en-US" altLang="zh-CN" dirty="0"/>
-              <a:t>:</a:t>
-            </a:r>
-            <a:r>
-              <a:rPr lang="zh-CN" altLang="en-US" dirty="0"/>
-              <a:t>部分儿童有自己的</a:t>
-            </a:r>
-            <a:r>
-              <a:rPr lang="en-US" altLang="zh-CN" dirty="0"/>
-              <a:t>SSS(</a:t>
-            </a:r>
-            <a:r>
-              <a:rPr lang="zh-CN" altLang="en-US" dirty="0"/>
-              <a:t>有成年人问卷</a:t>
-            </a:r>
-            <a:r>
-              <a:rPr lang="en-US" altLang="zh-CN" dirty="0"/>
-              <a:t>, </a:t>
-            </a:r>
-            <a:r>
-              <a:rPr lang="en-US" altLang="zh-CN" dirty="0" err="1"/>
-              <a:t>sss_c</a:t>
-            </a:r>
-            <a:r>
-              <a:rPr lang="en-US" altLang="zh-CN" dirty="0"/>
-              <a:t>), </a:t>
-            </a:r>
-            <a:r>
-              <a:rPr lang="zh-CN" altLang="en-US" dirty="0"/>
-              <a:t>大部分儿童有父母的</a:t>
-            </a:r>
-            <a:r>
-              <a:rPr lang="en-US" altLang="zh-CN" dirty="0"/>
-              <a:t>SSS (</a:t>
-            </a:r>
-            <a:r>
-              <a:rPr lang="en-US" altLang="zh-CN" dirty="0" err="1"/>
-              <a:t>sss_f</a:t>
-            </a:r>
-            <a:r>
-              <a:rPr lang="en-US" altLang="zh-CN" dirty="0"/>
-              <a:t>, </a:t>
-            </a:r>
-            <a:r>
-              <a:rPr lang="en-US" altLang="zh-CN" dirty="0" err="1"/>
-              <a:t>sss_m</a:t>
-            </a:r>
-            <a:r>
-              <a:rPr lang="en-US" altLang="zh-CN" dirty="0"/>
-              <a:t>)</a:t>
-            </a:r>
-          </a:p>
-          <a:p>
-            <a:r>
-              <a:rPr lang="en-US" altLang="zh-CN" dirty="0"/>
-              <a:t>PSID: </a:t>
-            </a:r>
-            <a:r>
-              <a:rPr lang="zh-CN" altLang="en-US" dirty="0"/>
-              <a:t>只有</a:t>
-            </a:r>
-            <a:r>
-              <a:rPr lang="en-US" altLang="zh-CN" dirty="0"/>
-              <a:t>reference person/spouse</a:t>
-            </a:r>
-            <a:r>
-              <a:rPr lang="zh-CN" altLang="en-US" dirty="0"/>
-              <a:t>有该变量</a:t>
-            </a:r>
-            <a:r>
-              <a:rPr lang="en-US" altLang="zh-CN" dirty="0"/>
-              <a:t>(</a:t>
-            </a:r>
-            <a:r>
-              <a:rPr lang="en-US" altLang="zh-CN" dirty="0" err="1"/>
-              <a:t>sss_rp</a:t>
-            </a:r>
-            <a:r>
-              <a:rPr lang="en-US" altLang="zh-CN" dirty="0"/>
-              <a:t>, </a:t>
-            </a:r>
-            <a:r>
-              <a:rPr lang="en-US" altLang="zh-CN" dirty="0" err="1"/>
-              <a:t>sss_sp</a:t>
-            </a:r>
-            <a:r>
-              <a:rPr lang="en-US" altLang="zh-CN" dirty="0"/>
-              <a:t>)</a:t>
-            </a:r>
-            <a:r>
-              <a:rPr lang="en-US" altLang="zh-CN" sz="2400" dirty="0"/>
-              <a:t> </a:t>
-            </a:r>
-            <a:r>
-              <a:rPr lang="en-US" b="0" i="0" u="none" strike="noStrike" dirty="0">
-                <a:solidFill>
-                  <a:srgbClr val="000000"/>
-                </a:solidFill>
-                <a:effectLst/>
-                <a:latin typeface="Times New Roman" panose="02020603050405020304" pitchFamily="18" charset="0"/>
-              </a:rPr>
-              <a:t>K37. Were (your/Spouse's/Partner's) parents poor when (you were/[she/he] was) growing up, pretty well off or what? [1 = Poor 3 = Average; "it varied” 5 =  Pretty well off 9 = DK; NA; refused 0 = </a:t>
-            </a:r>
-            <a:r>
-              <a:rPr lang="en-US" b="0" i="0" u="none" strike="noStrike" dirty="0" err="1">
-                <a:solidFill>
-                  <a:srgbClr val="000000"/>
-                </a:solidFill>
-                <a:effectLst/>
-                <a:latin typeface="Times New Roman" panose="02020603050405020304" pitchFamily="18" charset="0"/>
-              </a:rPr>
-              <a:t>Inap</a:t>
-            </a:r>
-            <a:r>
-              <a:rPr lang="en-US" b="0" i="0" u="none" strike="noStrike" dirty="0">
-                <a:solidFill>
-                  <a:srgbClr val="000000"/>
-                </a:solidFill>
-                <a:effectLst/>
-                <a:latin typeface="Times New Roman" panose="02020603050405020304" pitchFamily="18" charset="0"/>
-              </a:rPr>
-              <a:t>]</a:t>
-            </a:r>
-            <a:endParaRPr lang="en-US" sz="2200" b="0" i="0" u="none" strike="noStrike" dirty="0">
-              <a:solidFill>
-                <a:srgbClr val="000000"/>
-              </a:solidFill>
-              <a:effectLst/>
-              <a:latin typeface="Times New Roman" panose="02020603050405020304" pitchFamily="18" charset="0"/>
-            </a:endParaRPr>
-          </a:p>
-          <a:p>
-            <a:pPr lvl="1"/>
-            <a:r>
-              <a:rPr lang="zh-CN" altLang="en-US" dirty="0"/>
-              <a:t>成年人</a:t>
-            </a:r>
-            <a:r>
-              <a:rPr lang="en-US" altLang="zh-CN" dirty="0"/>
-              <a:t>: </a:t>
-            </a:r>
-            <a:r>
-              <a:rPr lang="zh-CN" altLang="en-US" dirty="0"/>
-              <a:t>自己的</a:t>
-            </a:r>
-            <a:r>
-              <a:rPr lang="en-US" altLang="zh-CN" dirty="0"/>
-              <a:t>SSS (</a:t>
-            </a:r>
-            <a:r>
-              <a:rPr lang="en-US" altLang="zh-CN" dirty="0" err="1"/>
-              <a:t>sss</a:t>
-            </a:r>
-            <a:r>
-              <a:rPr lang="en-US" altLang="zh-CN" dirty="0"/>
-              <a:t>),</a:t>
-            </a:r>
-            <a:r>
-              <a:rPr lang="zh-CN" altLang="en-US" dirty="0">
-                <a:solidFill>
-                  <a:srgbClr val="FF0000"/>
-                </a:solidFill>
-                <a:highlight>
-                  <a:srgbClr val="FFFF00"/>
-                </a:highlight>
-              </a:rPr>
-              <a:t>部分成年人有父母的</a:t>
-            </a:r>
-            <a:r>
-              <a:rPr lang="en-US" altLang="zh-CN" dirty="0" err="1">
-                <a:solidFill>
-                  <a:srgbClr val="FF0000"/>
-                </a:solidFill>
-                <a:highlight>
-                  <a:srgbClr val="FFFF00"/>
-                </a:highlight>
-              </a:rPr>
-              <a:t>sss</a:t>
-            </a:r>
-            <a:r>
-              <a:rPr lang="en-US" altLang="zh-CN" dirty="0">
-                <a:solidFill>
-                  <a:srgbClr val="FF0000"/>
-                </a:solidFill>
-                <a:highlight>
-                  <a:srgbClr val="FFFF00"/>
-                </a:highlight>
-              </a:rPr>
-              <a:t> (</a:t>
-            </a:r>
-            <a:r>
-              <a:rPr lang="en-US" altLang="zh-CN" dirty="0" err="1">
-                <a:solidFill>
-                  <a:srgbClr val="FF0000"/>
-                </a:solidFill>
-                <a:highlight>
-                  <a:srgbClr val="FFFF00"/>
-                </a:highlight>
-              </a:rPr>
-              <a:t>sss_f</a:t>
-            </a:r>
-            <a:r>
-              <a:rPr lang="en-US" altLang="zh-CN" dirty="0">
-                <a:solidFill>
-                  <a:srgbClr val="FF0000"/>
-                </a:solidFill>
-                <a:highlight>
-                  <a:srgbClr val="FFFF00"/>
-                </a:highlight>
-              </a:rPr>
-              <a:t>, </a:t>
-            </a:r>
-            <a:r>
-              <a:rPr lang="en-US" altLang="zh-CN" dirty="0" err="1">
-                <a:solidFill>
-                  <a:srgbClr val="FF0000"/>
-                </a:solidFill>
-                <a:highlight>
-                  <a:srgbClr val="FFFF00"/>
-                </a:highlight>
-              </a:rPr>
-              <a:t>sss_m</a:t>
-            </a:r>
-            <a:r>
-              <a:rPr lang="en-US" altLang="zh-CN" dirty="0">
-                <a:solidFill>
-                  <a:srgbClr val="FF0000"/>
-                </a:solidFill>
-                <a:highlight>
-                  <a:srgbClr val="FFFF00"/>
-                </a:highlight>
-              </a:rPr>
-              <a:t>)</a:t>
-            </a:r>
-          </a:p>
-          <a:p>
-            <a:pPr lvl="1"/>
-            <a:r>
-              <a:rPr lang="zh-CN" altLang="en-US" dirty="0"/>
-              <a:t>儿童</a:t>
-            </a:r>
-            <a:r>
-              <a:rPr lang="en-US" altLang="zh-CN" dirty="0"/>
-              <a:t>: </a:t>
-            </a:r>
-            <a:r>
-              <a:rPr lang="zh-CN" altLang="en-US" dirty="0"/>
-              <a:t>父母的</a:t>
-            </a:r>
-            <a:r>
-              <a:rPr lang="en-US" altLang="zh-CN" dirty="0"/>
-              <a:t>SSS (</a:t>
-            </a:r>
-            <a:r>
-              <a:rPr lang="en-US" altLang="zh-CN" dirty="0" err="1"/>
-              <a:t>sss_f</a:t>
-            </a:r>
-            <a:r>
-              <a:rPr lang="en-US" altLang="zh-CN" dirty="0"/>
-              <a:t>, </a:t>
-            </a:r>
-            <a:r>
-              <a:rPr lang="en-US" altLang="zh-CN" dirty="0" err="1"/>
-              <a:t>sss_m</a:t>
-            </a:r>
-            <a:r>
-              <a:rPr lang="en-US" altLang="zh-CN" dirty="0"/>
-              <a:t>), </a:t>
-            </a:r>
-            <a:r>
-              <a:rPr lang="zh-CN" altLang="en-US" dirty="0">
-                <a:solidFill>
-                  <a:srgbClr val="FF0000"/>
-                </a:solidFill>
-                <a:highlight>
-                  <a:srgbClr val="FFFF00"/>
-                </a:highlight>
-              </a:rPr>
-              <a:t>部分儿童有自己的</a:t>
-            </a:r>
-            <a:r>
-              <a:rPr lang="en-US" altLang="zh-CN" dirty="0">
-                <a:solidFill>
-                  <a:srgbClr val="FF0000"/>
-                </a:solidFill>
-                <a:highlight>
-                  <a:srgbClr val="FFFF00"/>
-                </a:highlight>
-              </a:rPr>
-              <a:t>SSS(</a:t>
-            </a:r>
-            <a:r>
-              <a:rPr lang="en-US" altLang="zh-CN" dirty="0" err="1">
-                <a:solidFill>
-                  <a:srgbClr val="FF0000"/>
-                </a:solidFill>
-                <a:highlight>
-                  <a:srgbClr val="FFFF00"/>
-                </a:highlight>
-              </a:rPr>
-              <a:t>sss_c</a:t>
-            </a:r>
-            <a:r>
-              <a:rPr lang="en-US" altLang="zh-CN" dirty="0">
-                <a:solidFill>
-                  <a:srgbClr val="FF0000"/>
-                </a:solidFill>
-                <a:highlight>
-                  <a:srgbClr val="FFFF00"/>
-                </a:highlight>
-              </a:rPr>
-              <a:t>) [</a:t>
-            </a:r>
-            <a:r>
-              <a:rPr lang="zh-CN" altLang="en-US" dirty="0">
-                <a:solidFill>
-                  <a:srgbClr val="FF0000"/>
-                </a:solidFill>
-                <a:highlight>
-                  <a:srgbClr val="FFFF00"/>
-                </a:highlight>
-              </a:rPr>
-              <a:t>更正</a:t>
-            </a:r>
-            <a:r>
-              <a:rPr lang="en-US" altLang="zh-CN" dirty="0">
-                <a:solidFill>
-                  <a:srgbClr val="FF0000"/>
-                </a:solidFill>
-                <a:highlight>
-                  <a:srgbClr val="FFFF00"/>
-                </a:highlight>
-              </a:rPr>
-              <a:t>]</a:t>
-            </a:r>
+            <a:endParaRPr lang="en-CN"/>
           </a:p>
         </p:txBody>
       </p:sp>
+      <p:pic>
+        <p:nvPicPr>
+          <p:cNvPr id="4" name="Picture 3">
+            <a:extLst>
+              <a:ext uri="{FF2B5EF4-FFF2-40B4-BE49-F238E27FC236}">
+                <a16:creationId xmlns:a16="http://schemas.microsoft.com/office/drawing/2014/main" id="{C1BE2946-B223-DB58-09ED-A994FF02758C}"/>
+              </a:ext>
+            </a:extLst>
+          </p:cNvPr>
+          <p:cNvPicPr>
+            <a:picLocks noChangeAspect="1"/>
+          </p:cNvPicPr>
+          <p:nvPr/>
+        </p:nvPicPr>
+        <p:blipFill>
+          <a:blip r:embed="rId2"/>
+          <a:stretch>
+            <a:fillRect/>
+          </a:stretch>
+        </p:blipFill>
+        <p:spPr>
+          <a:xfrm>
+            <a:off x="268356" y="1825625"/>
+            <a:ext cx="10931104" cy="4473203"/>
+          </a:xfrm>
+          <a:prstGeom prst="rect">
+            <a:avLst/>
+          </a:prstGeom>
+        </p:spPr>
+      </p:pic>
     </p:spTree>
     <p:extLst>
       <p:ext uri="{BB962C8B-B14F-4D97-AF65-F5344CB8AC3E}">
-        <p14:creationId xmlns:p14="http://schemas.microsoft.com/office/powerpoint/2010/main" val="2459232006"/>
+        <p14:creationId xmlns:p14="http://schemas.microsoft.com/office/powerpoint/2010/main" val="989384224"/>
       </p:ext>
     </p:extLst>
   </p:cSld>
